--- a/docs/Nerver_设计方案_V1.0.pptx
+++ b/docs/Nerver_设计方案_V1.0.pptx
@@ -3765,7 +3765,7 @@
                 <a:ea typeface="SimHei" charset="0"/>
                 <a:cs typeface="SimHei" charset="0"/>
               </a:rPr>
-              <a:t>服务分层</a:t>
+              <a:t>过滤设计</a:t>
             </a:r>
             <a:endParaRPr kumimoji="1" lang="zh-CN" altLang="en-US" sz="3200" dirty="0">
               <a:latin typeface="SimHei" charset="0"/>
@@ -3806,7 +3806,7 @@
         </p:nvSpPr>
         <p:spPr>
           <a:xfrm>
-            <a:off x="1534601" y="1477597"/>
+            <a:off x="3191963" y="1477597"/>
             <a:ext cx="1194300" cy="468000"/>
           </a:xfrm>
           <a:prstGeom prst="roundRect">
@@ -3872,7 +3872,7 @@
         </p:nvSpPr>
         <p:spPr>
           <a:xfrm>
-            <a:off x="1534601" y="2369027"/>
+            <a:off x="3191963" y="2369027"/>
             <a:ext cx="1194300" cy="468000"/>
           </a:xfrm>
           <a:prstGeom prst="roundRect">
@@ -3938,7 +3938,7 @@
         </p:nvSpPr>
         <p:spPr>
           <a:xfrm>
-            <a:off x="1534601" y="3208901"/>
+            <a:off x="3191963" y="3628838"/>
             <a:ext cx="1194300" cy="468000"/>
           </a:xfrm>
           <a:prstGeom prst="roundRect">
@@ -3980,6 +3980,14 @@
               </a:rPr>
               <a:t>RECV</a:t>
             </a:r>
+            <a:r>
+              <a:rPr kumimoji="1" lang="zh-CN" altLang="en-US" sz="1600" dirty="0">
+                <a:latin typeface="SimHei" charset="0"/>
+                <a:ea typeface="SimHei" charset="0"/>
+                <a:cs typeface="SimHei" charset="0"/>
+              </a:rPr>
+              <a:t>过滤</a:t>
+            </a:r>
             <a:endParaRPr kumimoji="1" lang="zh-CN" altLang="en-US" sz="1600" dirty="0" smtClean="0">
               <a:latin typeface="SimHei" charset="0"/>
               <a:ea typeface="SimHei" charset="0"/>
@@ -3996,7 +4004,7 @@
         </p:nvSpPr>
         <p:spPr>
           <a:xfrm>
-            <a:off x="1534601" y="4048775"/>
+            <a:off x="3191963" y="4480286"/>
             <a:ext cx="1194300" cy="468000"/>
           </a:xfrm>
           <a:prstGeom prst="roundRect">
@@ -4038,6 +4046,14 @@
               </a:rPr>
               <a:t>RET</a:t>
             </a:r>
+            <a:r>
+              <a:rPr kumimoji="1" lang="zh-CN" altLang="en-US" sz="1600" dirty="0">
+                <a:latin typeface="SimHei" charset="0"/>
+                <a:ea typeface="SimHei" charset="0"/>
+                <a:cs typeface="SimHei" charset="0"/>
+              </a:rPr>
+              <a:t>过滤</a:t>
+            </a:r>
             <a:endParaRPr kumimoji="1" lang="zh-CN" altLang="en-US" sz="1600" dirty="0" smtClean="0">
               <a:latin typeface="SimHei" charset="0"/>
               <a:ea typeface="SimHei" charset="0"/>
@@ -4054,7 +4070,7 @@
         </p:nvSpPr>
         <p:spPr>
           <a:xfrm>
-            <a:off x="1534601" y="4888649"/>
+            <a:off x="1864320" y="5665372"/>
             <a:ext cx="1194300" cy="468000"/>
           </a:xfrm>
           <a:prstGeom prst="roundRect">
@@ -4096,6 +4112,14 @@
               </a:rPr>
               <a:t>ERROR</a:t>
             </a:r>
+            <a:r>
+              <a:rPr kumimoji="1" lang="zh-CN" altLang="en-US" sz="1400" dirty="0">
+                <a:latin typeface="SimHei" charset="0"/>
+                <a:ea typeface="SimHei" charset="0"/>
+                <a:cs typeface="SimHei" charset="0"/>
+              </a:rPr>
+              <a:t>过滤</a:t>
+            </a:r>
             <a:endParaRPr kumimoji="1" lang="zh-CN" altLang="en-US" sz="1400" dirty="0" smtClean="0">
               <a:latin typeface="SimHei" charset="0"/>
               <a:ea typeface="SimHei" charset="0"/>
@@ -4115,51 +4139,13 @@
         </p:nvCxnSpPr>
         <p:spPr>
           <a:xfrm>
-            <a:off x="2131751" y="1945597"/>
+            <a:off x="3789113" y="1945597"/>
             <a:ext cx="0" cy="423430"/>
           </a:xfrm>
           <a:prstGeom prst="straightConnector1">
             <a:avLst/>
           </a:prstGeom>
-          <a:ln w="50800">
-            <a:solidFill>
-              <a:srgbClr val="00B050"/>
-            </a:solidFill>
-            <a:tailEnd type="triangle"/>
-          </a:ln>
-        </p:spPr>
-        <p:style>
-          <a:lnRef idx="2">
-            <a:schemeClr val="accent1"/>
-          </a:lnRef>
-          <a:fillRef idx="0">
-            <a:schemeClr val="accent1"/>
-          </a:fillRef>
-          <a:effectRef idx="1">
-            <a:schemeClr val="accent1"/>
-          </a:effectRef>
-          <a:fontRef idx="minor">
-            <a:schemeClr val="tx1"/>
-          </a:fontRef>
-        </p:style>
-      </p:cxnSp>
-      <p:cxnSp>
-        <p:nvCxnSpPr>
-          <p:cNvPr id="42" name="直线箭头连接符 41"/>
-          <p:cNvCxnSpPr>
-            <a:stCxn id="29" idx="2"/>
-          </p:cNvCxnSpPr>
-          <p:nvPr/>
-        </p:nvCxnSpPr>
-        <p:spPr>
-          <a:xfrm>
-            <a:off x="2131751" y="2837027"/>
-            <a:ext cx="0" cy="371874"/>
-          </a:xfrm>
-          <a:prstGeom prst="straightConnector1">
-            <a:avLst/>
-          </a:prstGeom>
-          <a:ln w="50800">
+          <a:ln w="38100">
             <a:solidFill>
               <a:srgbClr val="00B050"/>
             </a:solidFill>
@@ -4192,13 +4178,13 @@
         </p:nvCxnSpPr>
         <p:spPr>
           <a:xfrm>
-            <a:off x="2131751" y="3676901"/>
-            <a:ext cx="0" cy="371874"/>
+            <a:off x="3789113" y="4096838"/>
+            <a:ext cx="0" cy="383448"/>
           </a:xfrm>
           <a:prstGeom prst="straightConnector1">
             <a:avLst/>
           </a:prstGeom>
-          <a:ln w="50800">
+          <a:ln w="38100">
             <a:solidFill>
               <a:srgbClr val="00B050"/>
             </a:solidFill>
@@ -4220,26 +4206,534 @@
           </a:fontRef>
         </p:style>
       </p:cxnSp>
+      <p:sp>
+        <p:nvSpPr>
+          <p:cNvPr id="51" name="圆角矩形 50"/>
+          <p:cNvSpPr/>
+          <p:nvPr/>
+        </p:nvSpPr>
+        <p:spPr>
+          <a:xfrm>
+            <a:off x="5481654" y="2932202"/>
+            <a:ext cx="1495413" cy="617447"/>
+          </a:xfrm>
+          <a:prstGeom prst="roundRect">
+            <a:avLst/>
+          </a:prstGeom>
+          <a:solidFill>
+            <a:srgbClr val="00B050"/>
+          </a:solidFill>
+          <a:ln>
+            <a:solidFill>
+              <a:srgbClr val="00B050"/>
+            </a:solidFill>
+          </a:ln>
+        </p:spPr>
+        <p:style>
+          <a:lnRef idx="1">
+            <a:schemeClr val="accent1"/>
+          </a:lnRef>
+          <a:fillRef idx="3">
+            <a:schemeClr val="accent1"/>
+          </a:fillRef>
+          <a:effectRef idx="2">
+            <a:schemeClr val="accent1"/>
+          </a:effectRef>
+          <a:fontRef idx="minor">
+            <a:schemeClr val="lt1"/>
+          </a:fontRef>
+        </p:style>
+        <p:txBody>
+          <a:bodyPr rtlCol="0" anchor="ctr"/>
+          <a:lstStyle/>
+          <a:p>
+            <a:pPr algn="ctr"/>
+            <a:r>
+              <a:rPr lang="zh-CN" altLang="en-US" sz="1600" dirty="0" smtClean="0"/>
+              <a:t>源服务器</a:t>
+            </a:r>
+            <a:endParaRPr lang="zh-CN" altLang="en-US" sz="1600" dirty="0" smtClean="0"/>
+          </a:p>
+          <a:p>
+            <a:pPr algn="ctr"/>
+            <a:r>
+              <a:rPr lang="en-US" altLang="zh-CN" sz="1600" dirty="0" err="1" smtClean="0"/>
+              <a:t>Orgin</a:t>
+            </a:r>
+            <a:r>
+              <a:rPr lang="en-US" altLang="zh-CN" sz="1600" dirty="0" smtClean="0"/>
+              <a:t> </a:t>
+            </a:r>
+            <a:r>
+              <a:rPr lang="en-US" altLang="zh-CN" sz="1600" dirty="0"/>
+              <a:t>Server</a:t>
+            </a:r>
+            <a:endParaRPr kumimoji="1" lang="zh-CN" altLang="en-US" sz="1600" dirty="0" smtClean="0">
+              <a:latin typeface="SimHei" charset="0"/>
+              <a:ea typeface="SimHei" charset="0"/>
+              <a:cs typeface="SimHei" charset="0"/>
+            </a:endParaRPr>
+          </a:p>
+        </p:txBody>
+      </p:sp>
+      <p:sp>
+        <p:nvSpPr>
+          <p:cNvPr id="54" name="圆角矩形 53"/>
+          <p:cNvSpPr/>
+          <p:nvPr/>
+        </p:nvSpPr>
+        <p:spPr>
+          <a:xfrm>
+            <a:off x="5481653" y="742949"/>
+            <a:ext cx="1495413" cy="617447"/>
+          </a:xfrm>
+          <a:prstGeom prst="roundRect">
+            <a:avLst/>
+          </a:prstGeom>
+          <a:solidFill>
+            <a:srgbClr val="00B050"/>
+          </a:solidFill>
+          <a:ln>
+            <a:solidFill>
+              <a:srgbClr val="00B050"/>
+            </a:solidFill>
+          </a:ln>
+        </p:spPr>
+        <p:style>
+          <a:lnRef idx="1">
+            <a:schemeClr val="accent1"/>
+          </a:lnRef>
+          <a:fillRef idx="3">
+            <a:schemeClr val="accent1"/>
+          </a:fillRef>
+          <a:effectRef idx="2">
+            <a:schemeClr val="accent1"/>
+          </a:effectRef>
+          <a:fontRef idx="minor">
+            <a:schemeClr val="lt1"/>
+          </a:fontRef>
+        </p:style>
+        <p:txBody>
+          <a:bodyPr rtlCol="0" anchor="ctr"/>
+          <a:lstStyle/>
+          <a:p>
+            <a:pPr algn="ctr"/>
+            <a:r>
+              <a:rPr lang="en-US" altLang="zh-CN" sz="1600" dirty="0" smtClean="0"/>
+              <a:t>HTTP</a:t>
+            </a:r>
+            <a:r>
+              <a:rPr lang="zh-CN" altLang="en-US" sz="1600" dirty="0" smtClean="0"/>
+              <a:t>请求</a:t>
+            </a:r>
+            <a:endParaRPr kumimoji="1" lang="zh-CN" altLang="en-US" sz="1600" dirty="0" smtClean="0">
+              <a:latin typeface="SimHei" charset="0"/>
+              <a:ea typeface="SimHei" charset="0"/>
+              <a:cs typeface="SimHei" charset="0"/>
+            </a:endParaRPr>
+          </a:p>
+        </p:txBody>
+      </p:sp>
       <p:cxnSp>
         <p:nvCxnSpPr>
-          <p:cNvPr id="48" name="直线箭头连接符 47"/>
+          <p:cNvPr id="25" name="曲线连接符 24"/>
           <p:cNvCxnSpPr>
-            <a:stCxn id="94" idx="2"/>
+            <a:stCxn id="54" idx="1"/>
+            <a:endCxn id="28" idx="3"/>
+          </p:cNvCxnSpPr>
+          <p:nvPr/>
+        </p:nvCxnSpPr>
+        <p:spPr>
+          <a:xfrm rot="10800000" flipV="1">
+            <a:off x="4386263" y="1051673"/>
+            <a:ext cx="1095390" cy="659924"/>
+          </a:xfrm>
+          <a:prstGeom prst="curvedConnector3">
+            <a:avLst>
+              <a:gd name="adj1" fmla="val 50000"/>
+            </a:avLst>
+          </a:prstGeom>
+          <a:ln w="38100">
+            <a:solidFill>
+              <a:srgbClr val="009643"/>
+            </a:solidFill>
+            <a:tailEnd type="triangle"/>
+          </a:ln>
+        </p:spPr>
+        <p:style>
+          <a:lnRef idx="2">
+            <a:schemeClr val="accent1"/>
+          </a:lnRef>
+          <a:fillRef idx="0">
+            <a:schemeClr val="accent1"/>
+          </a:fillRef>
+          <a:effectRef idx="1">
+            <a:schemeClr val="accent1"/>
+          </a:effectRef>
+          <a:fontRef idx="minor">
+            <a:schemeClr val="tx1"/>
+          </a:fontRef>
+        </p:style>
+      </p:cxnSp>
+      <p:cxnSp>
+        <p:nvCxnSpPr>
+          <p:cNvPr id="61" name="曲线连接符 60"/>
+          <p:cNvCxnSpPr>
+            <a:stCxn id="29" idx="3"/>
+            <a:endCxn id="51" idx="1"/>
+          </p:cNvCxnSpPr>
+          <p:nvPr/>
+        </p:nvCxnSpPr>
+        <p:spPr>
+          <a:xfrm>
+            <a:off x="4386263" y="2603027"/>
+            <a:ext cx="1095391" cy="637899"/>
+          </a:xfrm>
+          <a:prstGeom prst="curvedConnector3">
+            <a:avLst>
+              <a:gd name="adj1" fmla="val 50000"/>
+            </a:avLst>
+          </a:prstGeom>
+          <a:ln w="38100">
+            <a:solidFill>
+              <a:srgbClr val="009643"/>
+            </a:solidFill>
+            <a:tailEnd type="triangle"/>
+          </a:ln>
+        </p:spPr>
+        <p:style>
+          <a:lnRef idx="2">
+            <a:schemeClr val="accent1"/>
+          </a:lnRef>
+          <a:fillRef idx="0">
+            <a:schemeClr val="accent1"/>
+          </a:fillRef>
+          <a:effectRef idx="1">
+            <a:schemeClr val="accent1"/>
+          </a:effectRef>
+          <a:fontRef idx="minor">
+            <a:schemeClr val="tx1"/>
+          </a:fontRef>
+        </p:style>
+      </p:cxnSp>
+      <p:cxnSp>
+        <p:nvCxnSpPr>
+          <p:cNvPr id="65" name="曲线连接符 64"/>
+          <p:cNvCxnSpPr>
+            <a:stCxn id="51" idx="1"/>
+            <a:endCxn id="30" idx="3"/>
+          </p:cNvCxnSpPr>
+          <p:nvPr/>
+        </p:nvCxnSpPr>
+        <p:spPr>
+          <a:xfrm rot="10800000" flipV="1">
+            <a:off x="4386264" y="3240926"/>
+            <a:ext cx="1095391" cy="621912"/>
+          </a:xfrm>
+          <a:prstGeom prst="curvedConnector3">
+            <a:avLst>
+              <a:gd name="adj1" fmla="val 50000"/>
+            </a:avLst>
+          </a:prstGeom>
+          <a:ln w="38100">
+            <a:solidFill>
+              <a:srgbClr val="009643"/>
+            </a:solidFill>
+            <a:tailEnd type="triangle"/>
+          </a:ln>
+        </p:spPr>
+        <p:style>
+          <a:lnRef idx="2">
+            <a:schemeClr val="accent1"/>
+          </a:lnRef>
+          <a:fillRef idx="0">
+            <a:schemeClr val="accent1"/>
+          </a:fillRef>
+          <a:effectRef idx="1">
+            <a:schemeClr val="accent1"/>
+          </a:effectRef>
+          <a:fontRef idx="minor">
+            <a:schemeClr val="tx1"/>
+          </a:fontRef>
+        </p:style>
+      </p:cxnSp>
+      <p:sp>
+        <p:nvSpPr>
+          <p:cNvPr id="68" name="圆角矩形 67"/>
+          <p:cNvSpPr/>
+          <p:nvPr/>
+        </p:nvSpPr>
+        <p:spPr>
+          <a:xfrm>
+            <a:off x="5481653" y="5047924"/>
+            <a:ext cx="1495413" cy="617447"/>
+          </a:xfrm>
+          <a:prstGeom prst="roundRect">
+            <a:avLst/>
+          </a:prstGeom>
+          <a:solidFill>
+            <a:srgbClr val="00B050"/>
+          </a:solidFill>
+          <a:ln>
+            <a:solidFill>
+              <a:srgbClr val="00B050"/>
+            </a:solidFill>
+          </a:ln>
+        </p:spPr>
+        <p:style>
+          <a:lnRef idx="1">
+            <a:schemeClr val="accent1"/>
+          </a:lnRef>
+          <a:fillRef idx="3">
+            <a:schemeClr val="accent1"/>
+          </a:fillRef>
+          <a:effectRef idx="2">
+            <a:schemeClr val="accent1"/>
+          </a:effectRef>
+          <a:fontRef idx="minor">
+            <a:schemeClr val="lt1"/>
+          </a:fontRef>
+        </p:style>
+        <p:txBody>
+          <a:bodyPr rtlCol="0" anchor="ctr"/>
+          <a:lstStyle/>
+          <a:p>
+            <a:pPr algn="ctr"/>
+            <a:r>
+              <a:rPr lang="en-US" altLang="zh-CN" sz="1600" dirty="0" smtClean="0"/>
+              <a:t>HTTP</a:t>
+            </a:r>
+            <a:r>
+              <a:rPr lang="zh-CN" altLang="en-US" sz="1600" dirty="0" smtClean="0"/>
+              <a:t>请求</a:t>
+            </a:r>
+            <a:endParaRPr kumimoji="1" lang="zh-CN" altLang="en-US" sz="1600" dirty="0" smtClean="0">
+              <a:latin typeface="SimHei" charset="0"/>
+              <a:ea typeface="SimHei" charset="0"/>
+              <a:cs typeface="SimHei" charset="0"/>
+            </a:endParaRPr>
+          </a:p>
+        </p:txBody>
+      </p:sp>
+      <p:cxnSp>
+        <p:nvCxnSpPr>
+          <p:cNvPr id="70" name="曲线连接符 69"/>
+          <p:cNvCxnSpPr>
+            <a:stCxn id="94" idx="3"/>
+            <a:endCxn id="68" idx="1"/>
+          </p:cNvCxnSpPr>
+          <p:nvPr/>
+        </p:nvCxnSpPr>
+        <p:spPr>
+          <a:xfrm>
+            <a:off x="4386263" y="4714286"/>
+            <a:ext cx="1095390" cy="642362"/>
+          </a:xfrm>
+          <a:prstGeom prst="curvedConnector3">
+            <a:avLst>
+              <a:gd name="adj1" fmla="val 50000"/>
+            </a:avLst>
+          </a:prstGeom>
+          <a:ln w="38100">
+            <a:solidFill>
+              <a:srgbClr val="009643"/>
+            </a:solidFill>
+            <a:tailEnd type="triangle"/>
+          </a:ln>
+        </p:spPr>
+        <p:style>
+          <a:lnRef idx="2">
+            <a:schemeClr val="accent1"/>
+          </a:lnRef>
+          <a:fillRef idx="0">
+            <a:schemeClr val="accent1"/>
+          </a:fillRef>
+          <a:effectRef idx="1">
+            <a:schemeClr val="accent1"/>
+          </a:effectRef>
+          <a:fontRef idx="minor">
+            <a:schemeClr val="tx1"/>
+          </a:fontRef>
+        </p:style>
+      </p:cxnSp>
+      <p:cxnSp>
+        <p:nvCxnSpPr>
+          <p:cNvPr id="91" name="曲线连接符 90"/>
+          <p:cNvCxnSpPr>
+            <a:stCxn id="28" idx="1"/>
             <a:endCxn id="95" idx="0"/>
           </p:cNvCxnSpPr>
           <p:nvPr/>
         </p:nvCxnSpPr>
         <p:spPr>
-          <a:xfrm>
-            <a:off x="2131751" y="4516775"/>
-            <a:ext cx="0" cy="371874"/>
+          <a:xfrm rot="10800000" flipV="1">
+            <a:off x="2461471" y="1711596"/>
+            <a:ext cx="730493" cy="3953775"/>
           </a:xfrm>
-          <a:prstGeom prst="straightConnector1">
+          <a:prstGeom prst="curvedConnector2">
             <a:avLst/>
           </a:prstGeom>
-          <a:ln w="50800">
+          <a:ln w="38100">
             <a:solidFill>
-              <a:srgbClr val="00B050"/>
+              <a:srgbClr val="009643"/>
+            </a:solidFill>
+            <a:tailEnd type="triangle"/>
+          </a:ln>
+        </p:spPr>
+        <p:style>
+          <a:lnRef idx="2">
+            <a:schemeClr val="accent1"/>
+          </a:lnRef>
+          <a:fillRef idx="0">
+            <a:schemeClr val="accent1"/>
+          </a:fillRef>
+          <a:effectRef idx="1">
+            <a:schemeClr val="accent1"/>
+          </a:effectRef>
+          <a:fontRef idx="minor">
+            <a:schemeClr val="tx1"/>
+          </a:fontRef>
+        </p:style>
+      </p:cxnSp>
+      <p:cxnSp>
+        <p:nvCxnSpPr>
+          <p:cNvPr id="96" name="曲线连接符 95"/>
+          <p:cNvCxnSpPr>
+            <a:stCxn id="29" idx="1"/>
+            <a:endCxn id="95" idx="0"/>
+          </p:cNvCxnSpPr>
+          <p:nvPr/>
+        </p:nvCxnSpPr>
+        <p:spPr>
+          <a:xfrm rot="10800000" flipV="1">
+            <a:off x="2461471" y="2603026"/>
+            <a:ext cx="730493" cy="3062345"/>
+          </a:xfrm>
+          <a:prstGeom prst="curvedConnector2">
+            <a:avLst/>
+          </a:prstGeom>
+          <a:ln w="38100">
+            <a:solidFill>
+              <a:srgbClr val="009643"/>
+            </a:solidFill>
+            <a:tailEnd type="triangle"/>
+          </a:ln>
+        </p:spPr>
+        <p:style>
+          <a:lnRef idx="2">
+            <a:schemeClr val="accent1"/>
+          </a:lnRef>
+          <a:fillRef idx="0">
+            <a:schemeClr val="accent1"/>
+          </a:fillRef>
+          <a:effectRef idx="1">
+            <a:schemeClr val="accent1"/>
+          </a:effectRef>
+          <a:fontRef idx="minor">
+            <a:schemeClr val="tx1"/>
+          </a:fontRef>
+        </p:style>
+      </p:cxnSp>
+      <p:cxnSp>
+        <p:nvCxnSpPr>
+          <p:cNvPr id="97" name="曲线连接符 96"/>
+          <p:cNvCxnSpPr>
+            <a:stCxn id="30" idx="1"/>
+            <a:endCxn id="95" idx="0"/>
+          </p:cNvCxnSpPr>
+          <p:nvPr/>
+        </p:nvCxnSpPr>
+        <p:spPr>
+          <a:xfrm rot="10800000" flipV="1">
+            <a:off x="2461471" y="3862838"/>
+            <a:ext cx="730493" cy="1802534"/>
+          </a:xfrm>
+          <a:prstGeom prst="curvedConnector2">
+            <a:avLst/>
+          </a:prstGeom>
+          <a:ln w="38100">
+            <a:solidFill>
+              <a:srgbClr val="009643"/>
+            </a:solidFill>
+            <a:tailEnd type="triangle"/>
+          </a:ln>
+        </p:spPr>
+        <p:style>
+          <a:lnRef idx="2">
+            <a:schemeClr val="accent1"/>
+          </a:lnRef>
+          <a:fillRef idx="0">
+            <a:schemeClr val="accent1"/>
+          </a:fillRef>
+          <a:effectRef idx="1">
+            <a:schemeClr val="accent1"/>
+          </a:effectRef>
+          <a:fontRef idx="minor">
+            <a:schemeClr val="tx1"/>
+          </a:fontRef>
+        </p:style>
+      </p:cxnSp>
+      <p:cxnSp>
+        <p:nvCxnSpPr>
+          <p:cNvPr id="102" name="曲线连接符 101"/>
+          <p:cNvCxnSpPr>
+            <a:stCxn id="94" idx="1"/>
+            <a:endCxn id="95" idx="0"/>
+          </p:cNvCxnSpPr>
+          <p:nvPr/>
+        </p:nvCxnSpPr>
+        <p:spPr>
+          <a:xfrm rot="10800000" flipV="1">
+            <a:off x="2461471" y="4714286"/>
+            <a:ext cx="730493" cy="951086"/>
+          </a:xfrm>
+          <a:prstGeom prst="curvedConnector2">
+            <a:avLst/>
+          </a:prstGeom>
+          <a:ln w="38100">
+            <a:solidFill>
+              <a:srgbClr val="009643"/>
+            </a:solidFill>
+            <a:tailEnd type="triangle"/>
+          </a:ln>
+        </p:spPr>
+        <p:style>
+          <a:lnRef idx="2">
+            <a:schemeClr val="accent1"/>
+          </a:lnRef>
+          <a:fillRef idx="0">
+            <a:schemeClr val="accent1"/>
+          </a:fillRef>
+          <a:effectRef idx="1">
+            <a:schemeClr val="accent1"/>
+          </a:effectRef>
+          <a:fontRef idx="minor">
+            <a:schemeClr val="tx1"/>
+          </a:fontRef>
+        </p:style>
+      </p:cxnSp>
+      <p:cxnSp>
+        <p:nvCxnSpPr>
+          <p:cNvPr id="118" name="曲线连接符 117"/>
+          <p:cNvCxnSpPr>
+            <a:stCxn id="95" idx="3"/>
+            <a:endCxn id="68" idx="1"/>
+          </p:cNvCxnSpPr>
+          <p:nvPr/>
+        </p:nvCxnSpPr>
+        <p:spPr>
+          <a:xfrm flipV="1">
+            <a:off x="3058620" y="5356648"/>
+            <a:ext cx="2423033" cy="542724"/>
+          </a:xfrm>
+          <a:prstGeom prst="curvedConnector3">
+            <a:avLst>
+              <a:gd name="adj1" fmla="val 50000"/>
+            </a:avLst>
+          </a:prstGeom>
+          <a:ln w="38100">
+            <a:solidFill>
+              <a:srgbClr val="009643"/>
             </a:solidFill>
             <a:tailEnd type="triangle"/>
           </a:ln>

--- a/docs/Nerver_设计方案_V1.0.pptx
+++ b/docs/Nerver_设计方案_V1.0.pptx
@@ -211,7 +211,7 @@
           <a:p>
             <a:fld id="{93B040F3-EB06-D54C-AA27-850D15F065E4}" type="datetimeFigureOut">
               <a:rPr kumimoji="1" lang="zh-CN" altLang="en-US" smtClean="0"/>
-              <a:t>16/4/24</a:t>
+              <a:t>16/4/25</a:t>
             </a:fld>
             <a:endParaRPr kumimoji="1" lang="zh-CN" altLang="en-US"/>
           </a:p>
@@ -660,7 +660,7 @@
           <a:p>
             <a:fld id="{60D9DDC8-7DC3-EA4B-903D-B88E771544DB}" type="datetime1">
               <a:rPr kumimoji="1" lang="zh-CN" altLang="en-US" smtClean="0"/>
-              <a:t>16/4/24</a:t>
+              <a:t>16/4/25</a:t>
             </a:fld>
             <a:endParaRPr kumimoji="1" lang="zh-CN" altLang="en-US"/>
           </a:p>
@@ -830,7 +830,7 @@
           <a:p>
             <a:fld id="{B95C184A-9458-8E45-90DF-D359135F2255}" type="datetime1">
               <a:rPr kumimoji="1" lang="zh-CN" altLang="en-US" smtClean="0"/>
-              <a:t>16/4/24</a:t>
+              <a:t>16/4/25</a:t>
             </a:fld>
             <a:endParaRPr kumimoji="1" lang="zh-CN" altLang="en-US"/>
           </a:p>
@@ -1010,7 +1010,7 @@
           <a:p>
             <a:fld id="{06CEB6BC-CA51-AA4A-B542-B89802A652EE}" type="datetime1">
               <a:rPr kumimoji="1" lang="zh-CN" altLang="en-US" smtClean="0"/>
-              <a:t>16/4/24</a:t>
+              <a:t>16/4/25</a:t>
             </a:fld>
             <a:endParaRPr kumimoji="1" lang="zh-CN" altLang="en-US"/>
           </a:p>
@@ -1180,7 +1180,7 @@
           <a:p>
             <a:fld id="{DE4B6EAE-BF81-CD45-9298-77474811232F}" type="datetime1">
               <a:rPr kumimoji="1" lang="zh-CN" altLang="en-US" smtClean="0"/>
-              <a:t>16/4/24</a:t>
+              <a:t>16/4/25</a:t>
             </a:fld>
             <a:endParaRPr kumimoji="1" lang="zh-CN" altLang="en-US"/>
           </a:p>
@@ -1426,7 +1426,7 @@
           <a:p>
             <a:fld id="{478113B1-1352-A34A-AF31-2C2E865337D0}" type="datetime1">
               <a:rPr kumimoji="1" lang="zh-CN" altLang="en-US" smtClean="0"/>
-              <a:t>16/4/24</a:t>
+              <a:t>16/4/25</a:t>
             </a:fld>
             <a:endParaRPr kumimoji="1" lang="zh-CN" altLang="en-US"/>
           </a:p>
@@ -1714,7 +1714,7 @@
           <a:p>
             <a:fld id="{385BB520-79EA-DD46-99B2-3460AF0A479A}" type="datetime1">
               <a:rPr kumimoji="1" lang="zh-CN" altLang="en-US" smtClean="0"/>
-              <a:t>16/4/24</a:t>
+              <a:t>16/4/25</a:t>
             </a:fld>
             <a:endParaRPr kumimoji="1" lang="zh-CN" altLang="en-US"/>
           </a:p>
@@ -2136,7 +2136,7 @@
           <a:p>
             <a:fld id="{DE619A6B-2664-E746-B80D-9AAAEE9FE95E}" type="datetime1">
               <a:rPr kumimoji="1" lang="zh-CN" altLang="en-US" smtClean="0"/>
-              <a:t>16/4/24</a:t>
+              <a:t>16/4/25</a:t>
             </a:fld>
             <a:endParaRPr kumimoji="1" lang="zh-CN" altLang="en-US"/>
           </a:p>
@@ -2254,7 +2254,7 @@
           <a:p>
             <a:fld id="{C407C5F7-FA8D-4B4A-BE69-15F5D980741F}" type="datetime1">
               <a:rPr kumimoji="1" lang="zh-CN" altLang="en-US" smtClean="0"/>
-              <a:t>16/4/24</a:t>
+              <a:t>16/4/25</a:t>
             </a:fld>
             <a:endParaRPr kumimoji="1" lang="zh-CN" altLang="en-US"/>
           </a:p>
@@ -2349,7 +2349,7 @@
           <a:p>
             <a:fld id="{E8B59D30-3662-804C-9C66-1A1383FDD18F}" type="datetime1">
               <a:rPr kumimoji="1" lang="zh-CN" altLang="en-US" smtClean="0"/>
-              <a:t>16/4/24</a:t>
+              <a:t>16/4/25</a:t>
             </a:fld>
             <a:endParaRPr kumimoji="1" lang="zh-CN" altLang="en-US"/>
           </a:p>
@@ -2626,7 +2626,7 @@
           <a:p>
             <a:fld id="{A39332A7-8F83-7F40-8BE8-5D64D17DC1FD}" type="datetime1">
               <a:rPr kumimoji="1" lang="zh-CN" altLang="en-US" smtClean="0"/>
-              <a:t>16/4/24</a:t>
+              <a:t>16/4/25</a:t>
             </a:fld>
             <a:endParaRPr kumimoji="1" lang="zh-CN" altLang="en-US"/>
           </a:p>
@@ -2879,7 +2879,7 @@
           <a:p>
             <a:fld id="{B5E6588E-3152-F74C-B687-672722691C17}" type="datetime1">
               <a:rPr kumimoji="1" lang="zh-CN" altLang="en-US" smtClean="0"/>
-              <a:t>16/4/24</a:t>
+              <a:t>16/4/25</a:t>
             </a:fld>
             <a:endParaRPr kumimoji="1" lang="zh-CN" altLang="en-US"/>
           </a:p>
@@ -3092,7 +3092,7 @@
           <a:p>
             <a:fld id="{9C7F7457-E60D-2345-82D8-E9D4493DC366}" type="datetime1">
               <a:rPr kumimoji="1" lang="zh-CN" altLang="en-US" smtClean="0"/>
-              <a:t>16/4/24</a:t>
+              <a:t>16/4/25</a:t>
             </a:fld>
             <a:endParaRPr kumimoji="1" lang="zh-CN" altLang="en-US"/>
           </a:p>
@@ -3504,15 +3504,7 @@
                 <a:ea typeface="SimHei" charset="0"/>
                 <a:cs typeface="SimHei" charset="0"/>
               </a:rPr>
-              <a:t>设计</a:t>
-            </a:r>
-            <a:r>
-              <a:rPr kumimoji="1" lang="zh-CN" altLang="en-US" sz="4800" i="1" dirty="0" smtClean="0">
-                <a:latin typeface="SimHei" charset="0"/>
-                <a:ea typeface="SimHei" charset="0"/>
-                <a:cs typeface="SimHei" charset="0"/>
-              </a:rPr>
-              <a:t>方案</a:t>
+              <a:t>设计方案</a:t>
             </a:r>
             <a:endParaRPr kumimoji="1" lang="zh-CN" altLang="en-US" sz="4800" i="1" dirty="0">
               <a:latin typeface="SimHei" charset="0"/>
@@ -3856,11 +3848,6 @@
               </a:rPr>
               <a:t>过滤</a:t>
             </a:r>
-            <a:endParaRPr kumimoji="1" lang="zh-CN" altLang="en-US" sz="1600" dirty="0" smtClean="0">
-              <a:latin typeface="SimHei" charset="0"/>
-              <a:ea typeface="SimHei" charset="0"/>
-              <a:cs typeface="SimHei" charset="0"/>
-            </a:endParaRPr>
           </a:p>
         </p:txBody>
       </p:sp>
@@ -4077,11 +4064,15 @@
             <a:avLst/>
           </a:prstGeom>
           <a:solidFill>
-            <a:srgbClr val="00B050"/>
+            <a:schemeClr val="accent2">
+              <a:lumMod val="75000"/>
+            </a:schemeClr>
           </a:solidFill>
           <a:ln>
             <a:solidFill>
-              <a:srgbClr val="00B050"/>
+              <a:schemeClr val="accent2">
+                <a:lumMod val="75000"/>
+              </a:schemeClr>
             </a:solidFill>
           </a:ln>
         </p:spPr>
@@ -4221,11 +4212,15 @@
             <a:avLst/>
           </a:prstGeom>
           <a:solidFill>
-            <a:srgbClr val="00B050"/>
+            <a:schemeClr val="accent6">
+              <a:lumMod val="75000"/>
+            </a:schemeClr>
           </a:solidFill>
           <a:ln>
             <a:solidFill>
-              <a:srgbClr val="00B050"/>
+              <a:schemeClr val="accent6">
+                <a:lumMod val="75000"/>
+              </a:schemeClr>
             </a:solidFill>
           </a:ln>
         </p:spPr>
@@ -4252,7 +4247,6 @@
               <a:rPr lang="zh-CN" altLang="en-US" sz="1600" dirty="0" smtClean="0"/>
               <a:t>源服务器</a:t>
             </a:r>
-            <a:endParaRPr lang="zh-CN" altLang="en-US" sz="1600" dirty="0" smtClean="0"/>
           </a:p>
           <a:p>
             <a:pPr algn="ctr"/>
@@ -4291,11 +4285,15 @@
             <a:avLst/>
           </a:prstGeom>
           <a:solidFill>
-            <a:srgbClr val="00B050"/>
+            <a:schemeClr val="bg1">
+              <a:lumMod val="50000"/>
+            </a:schemeClr>
           </a:solidFill>
           <a:ln>
             <a:solidFill>
-              <a:srgbClr val="00B050"/>
+              <a:schemeClr val="bg1">
+                <a:lumMod val="50000"/>
+              </a:schemeClr>
             </a:solidFill>
           </a:ln>
         </p:spPr>
@@ -4355,7 +4353,9 @@
           </a:prstGeom>
           <a:ln w="38100">
             <a:solidFill>
-              <a:srgbClr val="009643"/>
+              <a:schemeClr val="bg1">
+                <a:lumMod val="50000"/>
+              </a:schemeClr>
             </a:solidFill>
             <a:tailEnd type="triangle"/>
           </a:ln>
@@ -4437,7 +4437,9 @@
           </a:prstGeom>
           <a:ln w="38100">
             <a:solidFill>
-              <a:srgbClr val="009643"/>
+              <a:schemeClr val="accent6">
+                <a:lumMod val="75000"/>
+              </a:schemeClr>
             </a:solidFill>
             <a:tailEnd type="triangle"/>
           </a:ln>
@@ -4472,11 +4474,15 @@
             <a:avLst/>
           </a:prstGeom>
           <a:solidFill>
-            <a:srgbClr val="00B050"/>
+            <a:schemeClr val="bg2">
+              <a:lumMod val="50000"/>
+            </a:schemeClr>
           </a:solidFill>
           <a:ln>
             <a:solidFill>
-              <a:srgbClr val="00B050"/>
+              <a:schemeClr val="bg2">
+                <a:lumMod val="50000"/>
+              </a:schemeClr>
             </a:solidFill>
           </a:ln>
         </p:spPr>
@@ -4536,7 +4542,9 @@
           </a:prstGeom>
           <a:ln w="38100">
             <a:solidFill>
-              <a:srgbClr val="009643"/>
+              <a:schemeClr val="bg2">
+                <a:lumMod val="50000"/>
+              </a:schemeClr>
             </a:solidFill>
             <a:tailEnd type="triangle"/>
           </a:ln>
@@ -4575,7 +4583,9 @@
           </a:prstGeom>
           <a:ln w="38100">
             <a:solidFill>
-              <a:srgbClr val="009643"/>
+              <a:schemeClr val="accent2">
+                <a:lumMod val="75000"/>
+              </a:schemeClr>
             </a:solidFill>
             <a:tailEnd type="triangle"/>
           </a:ln>
@@ -4614,7 +4624,9 @@
           </a:prstGeom>
           <a:ln w="38100">
             <a:solidFill>
-              <a:srgbClr val="009643"/>
+              <a:schemeClr val="accent2">
+                <a:lumMod val="75000"/>
+              </a:schemeClr>
             </a:solidFill>
             <a:tailEnd type="triangle"/>
           </a:ln>
@@ -4653,7 +4665,9 @@
           </a:prstGeom>
           <a:ln w="38100">
             <a:solidFill>
-              <a:srgbClr val="009643"/>
+              <a:schemeClr val="accent2">
+                <a:lumMod val="75000"/>
+              </a:schemeClr>
             </a:solidFill>
             <a:tailEnd type="triangle"/>
           </a:ln>
@@ -4692,7 +4706,9 @@
           </a:prstGeom>
           <a:ln w="38100">
             <a:solidFill>
-              <a:srgbClr val="009643"/>
+              <a:schemeClr val="accent2">
+                <a:lumMod val="75000"/>
+              </a:schemeClr>
             </a:solidFill>
             <a:tailEnd type="triangle"/>
           </a:ln>
@@ -4733,7 +4749,9 @@
           </a:prstGeom>
           <a:ln w="38100">
             <a:solidFill>
-              <a:srgbClr val="009643"/>
+              <a:schemeClr val="bg2">
+                <a:lumMod val="50000"/>
+              </a:schemeClr>
             </a:solidFill>
             <a:tailEnd type="triangle"/>
           </a:ln>
